--- a/NOTR.pptx
+++ b/NOTR.pptx
@@ -105,7 +105,57 @@
       </a:defRPr>
     </a:lvl9pPr>
   </p:defaultTextStyle>
+  <p:extLst>
+    <p:ext uri="{EFAFB233-063F-42B5-8137-9DF3F51BA10A}">
+      <p15:sldGuideLst xmlns:p15="http://schemas.microsoft.com/office/powerpoint/2012/main"/>
+    </p:ext>
+  </p:extLst>
 </p:presentation>
+</file>
+
+<file path=ppt/revisionInfo.xml><?xml version="1.0" encoding="utf-8"?>
+<p1510:revInfo xmlns:a="http://schemas.openxmlformats.org/drawingml/2006/main" xmlns:r="http://schemas.openxmlformats.org/officeDocument/2006/relationships" xmlns:p1510="http://schemas.microsoft.com/office/powerpoint/2015/10/main">
+  <p1510:revLst>
+    <p1510:client id="{A06178AA-E234-431A-ABE4-F923E07B4E72}" v="4" dt="2021-01-18T11:45:02.029"/>
+  </p1510:revLst>
+</p1510:revInfo>
+</file>
+
+<file path=ppt/changesInfos/changesInfo1.xml><?xml version="1.0" encoding="utf-8"?>
+<pc:chgInfo xmlns:a="http://schemas.openxmlformats.org/drawingml/2006/main" xmlns:r="http://schemas.openxmlformats.org/officeDocument/2006/relationships" xmlns:ac="http://schemas.microsoft.com/office/drawing/2013/main/command" xmlns:pc="http://schemas.microsoft.com/office/powerpoint/2013/main/command">
+  <pc:docChgLst>
+    <pc:chgData name="ZZ20 Simon Huch" userId="S::s.huch@berufsschulebt1.onmicrosoft.com::c22081dc-f008-4771-8afa-8f84b72d2401" providerId="AD" clId="Web-{A06178AA-E234-431A-ABE4-F923E07B4E72}"/>
+    <pc:docChg chg="modSld">
+      <pc:chgData name="ZZ20 Simon Huch" userId="S::s.huch@berufsschulebt1.onmicrosoft.com::c22081dc-f008-4771-8afa-8f84b72d2401" providerId="AD" clId="Web-{A06178AA-E234-431A-ABE4-F923E07B4E72}" dt="2021-01-18T11:45:02.029" v="3" actId="1076"/>
+      <pc:docMkLst>
+        <pc:docMk/>
+      </pc:docMkLst>
+      <pc:sldChg chg="modSp">
+        <pc:chgData name="ZZ20 Simon Huch" userId="S::s.huch@berufsschulebt1.onmicrosoft.com::c22081dc-f008-4771-8afa-8f84b72d2401" providerId="AD" clId="Web-{A06178AA-E234-431A-ABE4-F923E07B4E72}" dt="2021-01-18T11:45:02.029" v="3" actId="1076"/>
+        <pc:sldMkLst>
+          <pc:docMk/>
+          <pc:sldMk cId="110783971" sldId="258"/>
+        </pc:sldMkLst>
+        <pc:picChg chg="mod">
+          <ac:chgData name="ZZ20 Simon Huch" userId="S::s.huch@berufsschulebt1.onmicrosoft.com::c22081dc-f008-4771-8afa-8f84b72d2401" providerId="AD" clId="Web-{A06178AA-E234-431A-ABE4-F923E07B4E72}" dt="2021-01-18T11:45:02.029" v="3" actId="1076"/>
+          <ac:picMkLst>
+            <pc:docMk/>
+            <pc:sldMk cId="110783971" sldId="258"/>
+            <ac:picMk id="8" creationId="{E66432BC-66DB-474A-BCFB-29C04A4223A6}"/>
+          </ac:picMkLst>
+        </pc:picChg>
+        <pc:picChg chg="mod">
+          <ac:chgData name="ZZ20 Simon Huch" userId="S::s.huch@berufsschulebt1.onmicrosoft.com::c22081dc-f008-4771-8afa-8f84b72d2401" providerId="AD" clId="Web-{A06178AA-E234-431A-ABE4-F923E07B4E72}" dt="2021-01-18T11:45:00.545" v="2" actId="1076"/>
+          <ac:picMkLst>
+            <pc:docMk/>
+            <pc:sldMk cId="110783971" sldId="258"/>
+            <ac:picMk id="12" creationId="{AF7B4F4F-9770-46D3-A8DB-62AB2B2E22E7}"/>
+          </ac:picMkLst>
+        </pc:picChg>
+      </pc:sldChg>
+    </pc:docChg>
+  </pc:docChgLst>
+</pc:chgInfo>
 </file>
 
 <file path=ppt/slideLayouts/slideLayout1.xml><?xml version="1.0" encoding="utf-8"?>
@@ -309,7 +359,7 @@
           <a:p>
             <a:fld id="{E329942C-BC88-474A-8830-64EE1CA09183}" type="slidenum">
               <a:rPr lang="de-DE" smtClean="0"/>
-              <a:t>‹Nr.›</a:t>
+              <a:t>‹#›</a:t>
             </a:fld>
             <a:endParaRPr lang="de-DE"/>
           </a:p>
@@ -507,7 +557,7 @@
           <a:p>
             <a:fld id="{E329942C-BC88-474A-8830-64EE1CA09183}" type="slidenum">
               <a:rPr lang="de-DE" smtClean="0"/>
-              <a:t>‹Nr.›</a:t>
+              <a:t>‹#›</a:t>
             </a:fld>
             <a:endParaRPr lang="de-DE"/>
           </a:p>
@@ -715,7 +765,7 @@
           <a:p>
             <a:fld id="{E329942C-BC88-474A-8830-64EE1CA09183}" type="slidenum">
               <a:rPr lang="de-DE" smtClean="0"/>
-              <a:t>‹Nr.›</a:t>
+              <a:t>‹#›</a:t>
             </a:fld>
             <a:endParaRPr lang="de-DE"/>
           </a:p>
@@ -913,7 +963,7 @@
           <a:p>
             <a:fld id="{E329942C-BC88-474A-8830-64EE1CA09183}" type="slidenum">
               <a:rPr lang="de-DE" smtClean="0"/>
-              <a:t>‹Nr.›</a:t>
+              <a:t>‹#›</a:t>
             </a:fld>
             <a:endParaRPr lang="de-DE"/>
           </a:p>
@@ -1188,7 +1238,7 @@
           <a:p>
             <a:fld id="{E329942C-BC88-474A-8830-64EE1CA09183}" type="slidenum">
               <a:rPr lang="de-DE" smtClean="0"/>
-              <a:t>‹Nr.›</a:t>
+              <a:t>‹#›</a:t>
             </a:fld>
             <a:endParaRPr lang="de-DE"/>
           </a:p>
@@ -1453,7 +1503,7 @@
           <a:p>
             <a:fld id="{E329942C-BC88-474A-8830-64EE1CA09183}" type="slidenum">
               <a:rPr lang="de-DE" smtClean="0"/>
-              <a:t>‹Nr.›</a:t>
+              <a:t>‹#›</a:t>
             </a:fld>
             <a:endParaRPr lang="de-DE"/>
           </a:p>
@@ -1865,7 +1915,7 @@
           <a:p>
             <a:fld id="{E329942C-BC88-474A-8830-64EE1CA09183}" type="slidenum">
               <a:rPr lang="de-DE" smtClean="0"/>
-              <a:t>‹Nr.›</a:t>
+              <a:t>‹#›</a:t>
             </a:fld>
             <a:endParaRPr lang="de-DE"/>
           </a:p>
@@ -2006,7 +2056,7 @@
           <a:p>
             <a:fld id="{E329942C-BC88-474A-8830-64EE1CA09183}" type="slidenum">
               <a:rPr lang="de-DE" smtClean="0"/>
-              <a:t>‹Nr.›</a:t>
+              <a:t>‹#›</a:t>
             </a:fld>
             <a:endParaRPr lang="de-DE"/>
           </a:p>
@@ -2119,7 +2169,7 @@
           <a:p>
             <a:fld id="{E329942C-BC88-474A-8830-64EE1CA09183}" type="slidenum">
               <a:rPr lang="de-DE" smtClean="0"/>
-              <a:t>‹Nr.›</a:t>
+              <a:t>‹#›</a:t>
             </a:fld>
             <a:endParaRPr lang="de-DE"/>
           </a:p>
@@ -2430,7 +2480,7 @@
           <a:p>
             <a:fld id="{E329942C-BC88-474A-8830-64EE1CA09183}" type="slidenum">
               <a:rPr lang="de-DE" smtClean="0"/>
-              <a:t>‹Nr.›</a:t>
+              <a:t>‹#›</a:t>
             </a:fld>
             <a:endParaRPr lang="de-DE"/>
           </a:p>
@@ -2718,7 +2768,7 @@
           <a:p>
             <a:fld id="{E329942C-BC88-474A-8830-64EE1CA09183}" type="slidenum">
               <a:rPr lang="de-DE" smtClean="0"/>
-              <a:t>‹Nr.›</a:t>
+              <a:t>‹#›</a:t>
             </a:fld>
             <a:endParaRPr lang="de-DE"/>
           </a:p>
@@ -2995,7 +3045,7 @@
           <a:p>
             <a:fld id="{E329942C-BC88-474A-8830-64EE1CA09183}" type="slidenum">
               <a:rPr lang="de-DE" smtClean="0"/>
-              <a:t>‹Nr.›</a:t>
+              <a:t>‹#›</a:t>
             </a:fld>
             <a:endParaRPr lang="de-DE"/>
           </a:p>
@@ -3373,7 +3423,7 @@
           <a:p>
             <a:pPr algn="ctr"/>
             <a:r>
-              <a:rPr lang="de-DE" dirty="0">
+              <a:rPr lang="de-DE">
                 <a:solidFill>
                   <a:schemeClr val="tx1"/>
                 </a:solidFill>
@@ -3434,7 +3484,7 @@
           <a:p>
             <a:pPr algn="ctr"/>
             <a:r>
-              <a:rPr lang="de-DE" dirty="0">
+              <a:rPr lang="de-DE">
                 <a:solidFill>
                   <a:schemeClr val="tx1"/>
                 </a:solidFill>
@@ -3495,7 +3545,7 @@
           <a:p>
             <a:pPr algn="ctr"/>
             <a:r>
-              <a:rPr lang="de-DE" dirty="0">
+              <a:rPr lang="de-DE">
                 <a:solidFill>
                   <a:schemeClr val="tx1"/>
                 </a:solidFill>
@@ -3556,7 +3606,7 @@
           <a:p>
             <a:pPr algn="ctr"/>
             <a:r>
-              <a:rPr lang="de-DE" dirty="0">
+              <a:rPr lang="de-DE">
                 <a:solidFill>
                   <a:schemeClr val="tx1"/>
                 </a:solidFill>
@@ -3835,7 +3885,7 @@
           <a:lstStyle/>
           <a:p>
             <a:r>
-              <a:rPr lang="de-DE" dirty="0"/>
+              <a:rPr lang="de-DE"/>
               <a:t>NOTR  – Note Repository</a:t>
             </a:r>
           </a:p>
@@ -3958,7 +4008,7 @@
           <a:p>
             <a:pPr algn="ctr"/>
             <a:r>
-              <a:rPr lang="de-DE" dirty="0">
+              <a:rPr lang="de-DE">
                 <a:solidFill>
                   <a:schemeClr val="tx1"/>
                 </a:solidFill>
@@ -4019,7 +4069,7 @@
           <a:p>
             <a:pPr algn="ctr"/>
             <a:r>
-              <a:rPr lang="de-DE" dirty="0">
+              <a:rPr lang="de-DE">
                 <a:solidFill>
                   <a:schemeClr val="tx1"/>
                 </a:solidFill>
@@ -4080,7 +4130,7 @@
           <a:p>
             <a:pPr algn="ctr"/>
             <a:r>
-              <a:rPr lang="de-DE" dirty="0">
+              <a:rPr lang="de-DE">
                 <a:solidFill>
                   <a:schemeClr val="tx1"/>
                 </a:solidFill>
@@ -4112,7 +4162,7 @@
         </p:blipFill>
         <p:spPr>
           <a:xfrm>
-            <a:off x="4194318" y="67111"/>
+            <a:off x="8080518" y="41711"/>
             <a:ext cx="743201" cy="771786"/>
           </a:xfrm>
           <a:prstGeom prst="rect">
@@ -4142,7 +4192,7 @@
         </p:blipFill>
         <p:spPr>
           <a:xfrm>
-            <a:off x="7997683" y="67111"/>
+            <a:off x="4179216" y="67111"/>
             <a:ext cx="828431" cy="771786"/>
           </a:xfrm>
           <a:prstGeom prst="rect">
@@ -4231,7 +4281,7 @@
           <a:p>
             <a:pPr algn="ctr"/>
             <a:r>
-              <a:rPr lang="de-DE" dirty="0">
+              <a:rPr lang="de-DE">
                 <a:solidFill>
                   <a:schemeClr val="tx1"/>
                 </a:solidFill>
@@ -4327,7 +4377,7 @@
           <a:p>
             <a:pPr algn="ctr"/>
             <a:r>
-              <a:rPr lang="de-DE" dirty="0">
+              <a:rPr lang="de-DE">
                 <a:solidFill>
                   <a:schemeClr val="tx1"/>
                 </a:solidFill>
@@ -4436,7 +4486,7 @@
           <a:lstStyle/>
           <a:p>
             <a:r>
-              <a:rPr lang="de-DE" u="sng" dirty="0">
+              <a:rPr lang="de-DE" u="sng">
                 <a:solidFill>
                   <a:srgbClr val="FF0000"/>
                 </a:solidFill>
@@ -4444,7 +4494,7 @@
               <a:t>ROT</a:t>
             </a:r>
             <a:r>
-              <a:rPr lang="de-DE" dirty="0"/>
+              <a:rPr lang="de-DE"/>
               <a:t> = Optional</a:t>
             </a:r>
           </a:p>
@@ -4501,7 +4551,7 @@
           <a:p>
             <a:pPr algn="ctr"/>
             <a:r>
-              <a:rPr lang="de-DE" dirty="0">
+              <a:rPr lang="de-DE">
                 <a:solidFill>
                   <a:schemeClr val="tx1"/>
                 </a:solidFill>
